--- a/Presentations/TDI_P2P_ShortPitch.pptx
+++ b/Presentations/TDI_P2P_ShortPitch.pptx
@@ -213,7 +213,7 @@
           <a:p>
             <a:fld id="{6DA31CCD-2B40-4A40-AA77-68D5327921EB}" type="datetimeFigureOut">
               <a:rPr lang="en-US" smtClean="0"/>
-              <a:t>5/2/2016</a:t>
+              <a:t>5/3/2016</a:t>
             </a:fld>
             <a:endParaRPr lang="en-US"/>
           </a:p>
@@ -863,7 +863,7 @@
           <a:p>
             <a:fld id="{6C600066-4D93-4BB5-A7A7-73C549319A22}" type="datetime1">
               <a:rPr lang="en-US" smtClean="0"/>
-              <a:t>5/2/2016</a:t>
+              <a:t>5/3/2016</a:t>
             </a:fld>
             <a:endParaRPr lang="en-US"/>
           </a:p>
@@ -1040,7 +1040,7 @@
           <a:p>
             <a:fld id="{09D5C246-7401-448F-B41D-FEE737573769}" type="datetime1">
               <a:rPr lang="en-US" smtClean="0"/>
-              <a:t>5/2/2016</a:t>
+              <a:t>5/3/2016</a:t>
             </a:fld>
             <a:endParaRPr lang="en-US"/>
           </a:p>
@@ -1351,7 +1351,7 @@
           <a:p>
             <a:fld id="{9EE2D627-B623-4CE8-982F-717956A730B5}" type="datetime1">
               <a:rPr lang="en-US" smtClean="0"/>
-              <a:t>5/2/2016</a:t>
+              <a:t>5/3/2016</a:t>
             </a:fld>
             <a:endParaRPr lang="en-US"/>
           </a:p>
@@ -1835,7 +1835,7 @@
           <a:p>
             <a:fld id="{AAC955A1-3B01-480A-8A5A-6BC998C03FF0}" type="datetime1">
               <a:rPr lang="en-US" smtClean="0"/>
-              <a:t>5/2/2016</a:t>
+              <a:t>5/3/2016</a:t>
             </a:fld>
             <a:endParaRPr lang="en-US"/>
           </a:p>
@@ -2142,7 +2142,7 @@
           <a:p>
             <a:fld id="{9CC34EC4-357F-40DA-AEE4-8EDB9E2499DC}" type="datetime1">
               <a:rPr lang="en-US" smtClean="0"/>
-              <a:t>5/2/2016</a:t>
+              <a:t>5/3/2016</a:t>
             </a:fld>
             <a:endParaRPr lang="en-US"/>
           </a:p>
@@ -2437,7 +2437,7 @@
           <a:p>
             <a:fld id="{2790D771-BA46-4843-A15E-0C7FFFC1E74E}" type="datetime1">
               <a:rPr lang="en-US" smtClean="0"/>
-              <a:t>5/2/2016</a:t>
+              <a:t>5/3/2016</a:t>
             </a:fld>
             <a:endParaRPr lang="en-US"/>
           </a:p>
@@ -2866,7 +2866,7 @@
           <a:p>
             <a:fld id="{42F65629-6A2D-4C06-96CD-EE31570F2300}" type="datetime1">
               <a:rPr lang="en-US" smtClean="0"/>
-              <a:t>5/2/2016</a:t>
+              <a:t>5/3/2016</a:t>
             </a:fld>
             <a:endParaRPr lang="en-US"/>
           </a:p>
@@ -2991,7 +2991,7 @@
           <a:p>
             <a:fld id="{9F5D9A5A-DB69-444E-9421-553E67E6E6AE}" type="datetime1">
               <a:rPr lang="en-US" smtClean="0"/>
-              <a:t>5/2/2016</a:t>
+              <a:t>5/3/2016</a:t>
             </a:fld>
             <a:endParaRPr lang="en-US"/>
           </a:p>
@@ -3093,7 +3093,7 @@
           <a:p>
             <a:fld id="{0CF9B6A5-5D00-43A3-827F-7788BAF5B568}" type="datetime1">
               <a:rPr lang="en-US" smtClean="0"/>
-              <a:t>5/2/2016</a:t>
+              <a:t>5/3/2016</a:t>
             </a:fld>
             <a:endParaRPr lang="en-US"/>
           </a:p>
@@ -3370,7 +3370,7 @@
           <a:p>
             <a:fld id="{19051D9D-3E6B-4E9E-8ACF-9050B6BA0637}" type="datetime1">
               <a:rPr lang="en-US" smtClean="0"/>
-              <a:t>5/2/2016</a:t>
+              <a:t>5/3/2016</a:t>
             </a:fld>
             <a:endParaRPr lang="en-US"/>
           </a:p>
@@ -3623,7 +3623,7 @@
           <a:p>
             <a:fld id="{51D1530E-1C5D-4315-8C05-349406283ED4}" type="datetime1">
               <a:rPr lang="en-US" smtClean="0"/>
-              <a:t>5/2/2016</a:t>
+              <a:t>5/3/2016</a:t>
             </a:fld>
             <a:endParaRPr lang="en-US"/>
           </a:p>
@@ -3967,7 +3967,7 @@
           <a:p>
             <a:fld id="{83117CAE-2CFE-4479-827C-B936513DB996}" type="datetime1">
               <a:rPr lang="en-US" smtClean="0"/>
-              <a:t>5/2/2016</a:t>
+              <a:t>5/3/2016</a:t>
             </a:fld>
             <a:endParaRPr lang="en-US"/>
           </a:p>
@@ -5543,39 +5543,52 @@
             <p:ph idx="1"/>
           </p:nvPr>
         </p:nvSpPr>
-        <p:spPr/>
-        <p:txBody>
-          <a:bodyPr/>
+        <p:spPr>
+          <a:xfrm>
+            <a:off x="6172200" y="623727"/>
+            <a:ext cx="2971798" cy="5472273"/>
+          </a:xfrm>
+        </p:spPr>
+        <p:txBody>
+          <a:bodyPr>
+            <a:normAutofit/>
+          </a:bodyPr>
           <a:lstStyle/>
           <a:p>
+            <a:pPr marL="0" indent="0">
+              <a:buNone/>
+            </a:pPr>
             <a:r>
               <a:rPr lang="en-US" dirty="0" smtClean="0"/>
-              <a:t>Lending Club data only, with 32 columns</a:t>
-            </a:r>
-          </a:p>
-          <a:p>
-            <a:endParaRPr lang="en-US" dirty="0"/>
-          </a:p>
-          <a:p>
+              <a:t>Lending Club data, 32 features</a:t>
+            </a:r>
             <a:endParaRPr lang="en-US" dirty="0" smtClean="0"/>
           </a:p>
           <a:p>
-            <a:endParaRPr lang="en-US" dirty="0"/>
-          </a:p>
-          <a:p>
+            <a:pPr marL="0" indent="0">
+              <a:buNone/>
+            </a:pPr>
             <a:endParaRPr lang="en-US" dirty="0" smtClean="0"/>
           </a:p>
           <a:p>
-            <a:endParaRPr lang="en-US" dirty="0"/>
-          </a:p>
-          <a:p>
+            <a:pPr marL="0" indent="0">
+              <a:buNone/>
+            </a:pPr>
             <a:r>
               <a:rPr lang="en-US" dirty="0" smtClean="0"/>
-              <a:t>However, ROC curve </a:t>
+              <a:t>However</a:t>
             </a:r>
             <a:r>
               <a:rPr lang="en-US" dirty="0" smtClean="0"/>
-              <a:t>may not be the best metric for performance evaluation</a:t>
+              <a:t>, ROC curve may not be the best metric for </a:t>
+            </a:r>
+            <a:r>
+              <a:rPr lang="en-US" smtClean="0"/>
+              <a:t>performance </a:t>
+            </a:r>
+            <a:r>
+              <a:rPr lang="en-US" smtClean="0"/>
+              <a:t>evaluation!</a:t>
             </a:r>
             <a:endParaRPr lang="en-US" dirty="0"/>
           </a:p>
@@ -5626,12 +5639,40 @@
           <a:p>
             <a:r>
               <a:rPr lang="en-US" dirty="0" smtClean="0"/>
-              <a:t>Preliminary Classification Results</a:t>
+              <a:t>Preliminary Classification </a:t>
+            </a:r>
+            <a:r>
+              <a:rPr lang="en-US" dirty="0" smtClean="0"/>
+              <a:t>Results: LC</a:t>
             </a:r>
             <a:endParaRPr lang="en-US" dirty="0"/>
           </a:p>
         </p:txBody>
       </p:sp>
+      <p:pic>
+        <p:nvPicPr>
+          <p:cNvPr id="5" name="Picture 4"/>
+          <p:cNvPicPr>
+            <a:picLocks noChangeAspect="1"/>
+          </p:cNvPicPr>
+          <p:nvPr/>
+        </p:nvPicPr>
+        <p:blipFill>
+          <a:blip r:embed="rId2"/>
+          <a:stretch>
+            <a:fillRect/>
+          </a:stretch>
+        </p:blipFill>
+        <p:spPr>
+          <a:xfrm>
+            <a:off x="57150" y="990600"/>
+            <a:ext cx="5886450" cy="4781550"/>
+          </a:xfrm>
+          <a:prstGeom prst="rect">
+            <a:avLst/>
+          </a:prstGeom>
+        </p:spPr>
+      </p:pic>
     </p:spTree>
     <p:extLst>
       <p:ext uri="{BB962C8B-B14F-4D97-AF65-F5344CB8AC3E}">

--- a/Presentations/TDI_P2P_ShortPitch.pptx
+++ b/Presentations/TDI_P2P_ShortPitch.pptx
@@ -4686,24 +4686,6 @@
             <a:pPr marL="0" indent="0">
               <a:buNone/>
             </a:pPr>
-            <a:r>
-              <a:rPr lang="en-US" sz="2800" dirty="0" smtClean="0"/>
-              <a:t>Note: plan does not include ~3 weeks of travel in May (conference, family stuff, </a:t>
-            </a:r>
-            <a:r>
-              <a:rPr lang="en-US" sz="2800" dirty="0" err="1" smtClean="0"/>
-              <a:t>etc</a:t>
-            </a:r>
-            <a:r>
-              <a:rPr lang="en-US" sz="2800" dirty="0" smtClean="0"/>
-              <a:t>), so actual completion time is mid- to late-July.</a:t>
-            </a:r>
-            <a:endParaRPr lang="en-US" sz="2800" dirty="0"/>
-          </a:p>
-          <a:p>
-            <a:pPr marL="0" indent="0">
-              <a:buNone/>
-            </a:pPr>
             <a:endParaRPr lang="en-US" dirty="0"/>
           </a:p>
         </p:txBody>
@@ -4761,21 +4743,22 @@
       </p:sp>
       <p:pic>
         <p:nvPicPr>
-          <p:cNvPr id="8" name="Picture 7"/>
+          <p:cNvPr id="5" name="Picture 4"/>
           <p:cNvPicPr>
             <a:picLocks noChangeAspect="1"/>
           </p:cNvPicPr>
           <p:nvPr/>
         </p:nvPicPr>
-        <p:blipFill rotWithShape="1">
+        <p:blipFill>
           <a:blip r:embed="rId2"/>
-          <a:srcRect r="1666"/>
-          <a:stretch/>
+          <a:stretch>
+            <a:fillRect/>
+          </a:stretch>
         </p:blipFill>
         <p:spPr>
           <a:xfrm>
-            <a:off x="-9527" y="923497"/>
-            <a:ext cx="9153527" cy="3957159"/>
+            <a:off x="1" y="990600"/>
+            <a:ext cx="9182718" cy="3733800"/>
           </a:xfrm>
           <a:prstGeom prst="rect">
             <a:avLst/>
@@ -5580,14 +5563,10 @@
             </a:r>
             <a:r>
               <a:rPr lang="en-US" dirty="0" smtClean="0"/>
-              <a:t>, ROC curve may not be the best metric for </a:t>
-            </a:r>
-            <a:r>
-              <a:rPr lang="en-US" smtClean="0"/>
-              <a:t>performance </a:t>
-            </a:r>
-            <a:r>
-              <a:rPr lang="en-US" smtClean="0"/>
+              <a:t>, ROC curve may not be the best metric for performance </a:t>
+            </a:r>
+            <a:r>
+              <a:rPr lang="en-US" dirty="0" smtClean="0"/>
               <a:t>evaluation!</a:t>
             </a:r>
             <a:endParaRPr lang="en-US" dirty="0"/>
